--- a/软件测试基础ppt模板 .pptx
+++ b/软件测试基础ppt模板 .pptx
@@ -148,7 +148,7 @@
   </p:defaultTextStyle>
   <p:extLst>
     <p:ext uri="{EFAFB233-063F-42B5-8137-9DF3F51BA10A}">
-      <p15:sldGuideLst xmlns:p15="http://schemas.microsoft.com/office/powerpoint/2012/main">
+      <p15:sldGuideLst xmlns:p15="http://schemas.microsoft.com/office/powerpoint/2012/main" xmlns="">
         <p15:guide id="1" orient="horz" pos="2160" userDrawn="1">
           <p15:clr>
             <a:srgbClr val="A4A3A4"/>
@@ -162,7 +162,7 @@
       </p15:sldGuideLst>
     </p:ext>
     <p:ext uri="{2D200454-40CA-4A62-9FC3-DE9A4176ACB9}">
-      <p15:notesGuideLst xmlns:p15="http://schemas.microsoft.com/office/powerpoint/2012/main">
+      <p15:notesGuideLst xmlns:p15="http://schemas.microsoft.com/office/powerpoint/2012/main" xmlns="">
         <p15:guide id="1" orient="horz" pos="2880">
           <p15:clr>
             <a:srgbClr val="A4A3A4"/>
@@ -1200,13 +1200,8 @@
             <a:pPr lvl="3"/>
             <a:r>
               <a:rPr lang="zh-CN" altLang="en-US" dirty="0" smtClean="0"/>
-              <a:t>第四</a:t>
-            </a:r>
-            <a:r>
-              <a:rPr lang="zh-CN" altLang="en-US" dirty="0" smtClean="0"/>
-              <a:t>级</a:t>
-            </a:r>
-            <a:endParaRPr lang="zh-CN" altLang="en-US" dirty="0" smtClean="0"/>
+              <a:t>第四级</a:t>
+            </a:r>
           </a:p>
         </p:txBody>
       </p:sp>
@@ -1450,13 +1445,8 @@
             <a:pPr lvl="3"/>
             <a:r>
               <a:rPr lang="zh-CN" altLang="en-US" dirty="0" smtClean="0"/>
-              <a:t>第四</a:t>
-            </a:r>
-            <a:r>
-              <a:rPr lang="zh-CN" altLang="en-US" dirty="0" smtClean="0"/>
-              <a:t>级</a:t>
-            </a:r>
-            <a:endParaRPr lang="zh-CN" altLang="en-US" dirty="0" smtClean="0"/>
+              <a:t>第四级</a:t>
+            </a:r>
           </a:p>
         </p:txBody>
       </p:sp>
@@ -1928,13 +1918,8 @@
             <a:pPr lvl="3"/>
             <a:r>
               <a:rPr lang="zh-CN" altLang="en-US" dirty="0" smtClean="0"/>
-              <a:t>第四</a:t>
-            </a:r>
-            <a:r>
-              <a:rPr lang="zh-CN" altLang="en-US" dirty="0" smtClean="0"/>
-              <a:t>级</a:t>
-            </a:r>
-            <a:endParaRPr lang="zh-CN" altLang="en-US" dirty="0" smtClean="0"/>
+              <a:t>第四级</a:t>
+            </a:r>
           </a:p>
         </p:txBody>
       </p:sp>
@@ -2031,13 +2016,8 @@
             <a:pPr lvl="3"/>
             <a:r>
               <a:rPr lang="zh-CN" altLang="en-US" dirty="0" smtClean="0"/>
-              <a:t>第四</a:t>
-            </a:r>
-            <a:r>
-              <a:rPr lang="zh-CN" altLang="en-US" dirty="0" smtClean="0"/>
-              <a:t>级</a:t>
-            </a:r>
-            <a:endParaRPr lang="zh-CN" altLang="en-US" dirty="0" smtClean="0"/>
+              <a:t>第四级</a:t>
+            </a:r>
           </a:p>
         </p:txBody>
       </p:sp>
@@ -2679,13 +2659,8 @@
             <a:pPr lvl="3"/>
             <a:r>
               <a:rPr lang="zh-CN" altLang="en-US" dirty="0" smtClean="0"/>
-              <a:t>第四</a:t>
-            </a:r>
-            <a:r>
-              <a:rPr lang="zh-CN" altLang="en-US" dirty="0" smtClean="0"/>
-              <a:t>级</a:t>
-            </a:r>
-            <a:endParaRPr lang="zh-CN" altLang="en-US" dirty="0" smtClean="0"/>
+              <a:t>第四级</a:t>
+            </a:r>
           </a:p>
         </p:txBody>
       </p:sp>
@@ -4797,7 +4772,7 @@
           <p:nvPr>
             <p:extLst>
               <p:ext uri="{D42A27DB-BD31-4B8C-83A1-F6EECF244321}">
-                <p14:modId xmlns:p14="http://schemas.microsoft.com/office/powerpoint/2010/main" val="1375842684"/>
+                <p14:modId xmlns:p14="http://schemas.microsoft.com/office/powerpoint/2010/main" val="4050010883"/>
               </p:ext>
             </p:extLst>
           </p:nvPr>
